--- a/Assets/How to Play/Laws of Alchemy.pptx
+++ b/Assets/How to Play/Laws of Alchemy.pptx
@@ -104,6 +104,11 @@
       </a:defRPr>
     </a:lvl9pPr>
   </p:defaultTextStyle>
+  <p:extLst>
+    <p:ext uri="{EFAFB233-063F-42B5-8137-9DF3F51BA10A}">
+      <p15:sldGuideLst xmlns:p15="http://schemas.microsoft.com/office/powerpoint/2012/main"/>
+    </p:ext>
+  </p:extLst>
 </p:presentation>
 </file>
 
@@ -262,7 +267,7 @@
           <a:p>
             <a:fld id="{F8A8BB77-194F-451F-BC72-D54750A0F88B}" type="datetimeFigureOut">
               <a:rPr lang="en-US" smtClean="0"/>
-              <a:t>10/2/2023</a:t>
+              <a:t>10/4/2023</a:t>
             </a:fld>
             <a:endParaRPr lang="en-US"/>
           </a:p>
@@ -432,7 +437,7 @@
           <a:p>
             <a:fld id="{F8A8BB77-194F-451F-BC72-D54750A0F88B}" type="datetimeFigureOut">
               <a:rPr lang="en-US" smtClean="0"/>
-              <a:t>10/2/2023</a:t>
+              <a:t>10/4/2023</a:t>
             </a:fld>
             <a:endParaRPr lang="en-US"/>
           </a:p>
@@ -612,7 +617,7 @@
           <a:p>
             <a:fld id="{F8A8BB77-194F-451F-BC72-D54750A0F88B}" type="datetimeFigureOut">
               <a:rPr lang="en-US" smtClean="0"/>
-              <a:t>10/2/2023</a:t>
+              <a:t>10/4/2023</a:t>
             </a:fld>
             <a:endParaRPr lang="en-US"/>
           </a:p>
@@ -782,7 +787,7 @@
           <a:p>
             <a:fld id="{F8A8BB77-194F-451F-BC72-D54750A0F88B}" type="datetimeFigureOut">
               <a:rPr lang="en-US" smtClean="0"/>
-              <a:t>10/2/2023</a:t>
+              <a:t>10/4/2023</a:t>
             </a:fld>
             <a:endParaRPr lang="en-US"/>
           </a:p>
@@ -1046,7 +1051,7 @@
           <a:p>
             <a:fld id="{F8A8BB77-194F-451F-BC72-D54750A0F88B}" type="datetimeFigureOut">
               <a:rPr lang="en-US" smtClean="0"/>
-              <a:t>10/2/2023</a:t>
+              <a:t>10/4/2023</a:t>
             </a:fld>
             <a:endParaRPr lang="en-US"/>
           </a:p>
@@ -1334,7 +1339,7 @@
           <a:p>
             <a:fld id="{F8A8BB77-194F-451F-BC72-D54750A0F88B}" type="datetimeFigureOut">
               <a:rPr lang="en-US" smtClean="0"/>
-              <a:t>10/2/2023</a:t>
+              <a:t>10/4/2023</a:t>
             </a:fld>
             <a:endParaRPr lang="en-US"/>
           </a:p>
@@ -1763,7 +1768,7 @@
           <a:p>
             <a:fld id="{F8A8BB77-194F-451F-BC72-D54750A0F88B}" type="datetimeFigureOut">
               <a:rPr lang="en-US" smtClean="0"/>
-              <a:t>10/2/2023</a:t>
+              <a:t>10/4/2023</a:t>
             </a:fld>
             <a:endParaRPr lang="en-US"/>
           </a:p>
@@ -1881,7 +1886,7 @@
           <a:p>
             <a:fld id="{F8A8BB77-194F-451F-BC72-D54750A0F88B}" type="datetimeFigureOut">
               <a:rPr lang="en-US" smtClean="0"/>
-              <a:t>10/2/2023</a:t>
+              <a:t>10/4/2023</a:t>
             </a:fld>
             <a:endParaRPr lang="en-US"/>
           </a:p>
@@ -1976,7 +1981,7 @@
           <a:p>
             <a:fld id="{F8A8BB77-194F-451F-BC72-D54750A0F88B}" type="datetimeFigureOut">
               <a:rPr lang="en-US" smtClean="0"/>
-              <a:t>10/2/2023</a:t>
+              <a:t>10/4/2023</a:t>
             </a:fld>
             <a:endParaRPr lang="en-US"/>
           </a:p>
@@ -2332,7 +2337,7 @@
           <a:p>
             <a:fld id="{F8A8BB77-194F-451F-BC72-D54750A0F88B}" type="datetimeFigureOut">
               <a:rPr lang="en-US" smtClean="0"/>
-              <a:t>10/2/2023</a:t>
+              <a:t>10/4/2023</a:t>
             </a:fld>
             <a:endParaRPr lang="en-US"/>
           </a:p>
@@ -2635,7 +2640,7 @@
           <a:p>
             <a:fld id="{F8A8BB77-194F-451F-BC72-D54750A0F88B}" type="datetimeFigureOut">
               <a:rPr lang="en-US" smtClean="0"/>
-              <a:t>10/2/2023</a:t>
+              <a:t>10/4/2023</a:t>
             </a:fld>
             <a:endParaRPr lang="en-US"/>
           </a:p>
@@ -2848,7 +2853,7 @@
           <a:p>
             <a:fld id="{F8A8BB77-194F-451F-BC72-D54750A0F88B}" type="datetimeFigureOut">
               <a:rPr lang="en-US" smtClean="0"/>
-              <a:t>10/2/2023</a:t>
+              <a:t>10/4/2023</a:t>
             </a:fld>
             <a:endParaRPr lang="en-US"/>
           </a:p>
@@ -3366,13 +3371,21 @@
             </a:pPr>
             <a:r>
               <a:rPr lang="en-US" dirty="0"/>
-              <a:t>A group must have at least 3 objects to be alchemically active.   </a:t>
+              <a:t>A group must have at least 3 tiles to be alchemically active.   </a:t>
             </a:r>
           </a:p>
           <a:p>
             <a:r>
               <a:rPr lang="en-US" dirty="0"/>
-              <a:t>Groups with less than 3 objects are inactive. The principles of alchemy do not apply to inactive groups</a:t>
+              <a:t>Groups with less than </a:t>
+            </a:r>
+            <a:r>
+              <a:rPr lang="en-US"/>
+              <a:t>3 tiles </a:t>
+            </a:r>
+            <a:r>
+              <a:rPr lang="en-US" dirty="0"/>
+              <a:t>are inactive. The principles of alchemy do not apply to inactive groups</a:t>
             </a:r>
           </a:p>
         </p:txBody>
